--- a/HW3/HW3_pwm_breath.pptx
+++ b/HW3/HW3_pwm_breath.pptx
@@ -240,7 +240,7 @@
               <a:rPr lang="zh-TW" altLang="en-US" smtClean="0">
                 <a:ea typeface="標楷體" panose="03000509000000000000" pitchFamily="65" charset="-120"/>
               </a:rPr>
-              <a:t>2024/11/20</a:t>
+              <a:t>2025/1/8</a:t>
             </a:fld>
             <a:endParaRPr lang="zh-TW" altLang="en-US">
               <a:ea typeface="標楷體" panose="03000509000000000000" pitchFamily="65" charset="-120"/>
@@ -2443,7 +2443,7 @@
             <a:fld id="{2CB905C5-9D54-40E2-B40C-7996280CAB02}" type="datetimeFigureOut">
               <a:rPr lang="zh-TW" altLang="en-US" smtClean="0"/>
               <a:pPr/>
-              <a:t>2024/11/20</a:t>
+              <a:t>2025/1/8</a:t>
             </a:fld>
             <a:endParaRPr lang="zh-TW" altLang="en-US"/>
           </a:p>
@@ -2849,7 +2849,7 @@
           <a:p>
             <a:fld id="{0C0CC965-A63A-473D-BEFB-C8F9714D5269}" type="datetimeFigureOut">
               <a:rPr lang="zh-TW" altLang="en-US" smtClean="0"/>
-              <a:t>2024/11/20</a:t>
+              <a:t>2025/1/8</a:t>
             </a:fld>
             <a:endParaRPr lang="zh-TW" altLang="en-US"/>
           </a:p>
@@ -3017,7 +3017,7 @@
           <a:p>
             <a:fld id="{0C0CC965-A63A-473D-BEFB-C8F9714D5269}" type="datetimeFigureOut">
               <a:rPr lang="zh-TW" altLang="en-US" smtClean="0"/>
-              <a:t>2024/11/20</a:t>
+              <a:t>2025/1/8</a:t>
             </a:fld>
             <a:endParaRPr lang="zh-TW" altLang="en-US"/>
           </a:p>
@@ -3195,7 +3195,7 @@
           <a:p>
             <a:fld id="{0C0CC965-A63A-473D-BEFB-C8F9714D5269}" type="datetimeFigureOut">
               <a:rPr lang="zh-TW" altLang="en-US" smtClean="0"/>
-              <a:t>2024/11/20</a:t>
+              <a:t>2025/1/8</a:t>
             </a:fld>
             <a:endParaRPr lang="zh-TW" altLang="en-US"/>
           </a:p>
@@ -3390,7 +3390,7 @@
           <a:p>
             <a:fld id="{0C0CC965-A63A-473D-BEFB-C8F9714D5269}" type="datetimeFigureOut">
               <a:rPr lang="zh-TW" altLang="en-US" smtClean="0"/>
-              <a:t>2024/11/20</a:t>
+              <a:t>2025/1/8</a:t>
             </a:fld>
             <a:endParaRPr lang="zh-TW" altLang="en-US"/>
           </a:p>
@@ -3635,7 +3635,7 @@
           <a:p>
             <a:fld id="{0C0CC965-A63A-473D-BEFB-C8F9714D5269}" type="datetimeFigureOut">
               <a:rPr lang="zh-TW" altLang="en-US" smtClean="0"/>
-              <a:t>2024/11/20</a:t>
+              <a:t>2025/1/8</a:t>
             </a:fld>
             <a:endParaRPr lang="zh-TW" altLang="en-US"/>
           </a:p>
@@ -3864,7 +3864,7 @@
           <a:p>
             <a:fld id="{0C0CC965-A63A-473D-BEFB-C8F9714D5269}" type="datetimeFigureOut">
               <a:rPr lang="zh-TW" altLang="en-US" smtClean="0"/>
-              <a:t>2024/11/20</a:t>
+              <a:t>2025/1/8</a:t>
             </a:fld>
             <a:endParaRPr lang="zh-TW" altLang="en-US"/>
           </a:p>
@@ -4228,7 +4228,7 @@
           <a:p>
             <a:fld id="{0C0CC965-A63A-473D-BEFB-C8F9714D5269}" type="datetimeFigureOut">
               <a:rPr lang="zh-TW" altLang="en-US" smtClean="0"/>
-              <a:t>2024/11/20</a:t>
+              <a:t>2025/1/8</a:t>
             </a:fld>
             <a:endParaRPr lang="zh-TW" altLang="en-US"/>
           </a:p>
@@ -4345,7 +4345,7 @@
           <a:p>
             <a:fld id="{0C0CC965-A63A-473D-BEFB-C8F9714D5269}" type="datetimeFigureOut">
               <a:rPr lang="zh-TW" altLang="en-US" smtClean="0"/>
-              <a:t>2024/11/20</a:t>
+              <a:t>2025/1/8</a:t>
             </a:fld>
             <a:endParaRPr lang="zh-TW" altLang="en-US"/>
           </a:p>
@@ -4440,7 +4440,7 @@
           <a:p>
             <a:fld id="{0C0CC965-A63A-473D-BEFB-C8F9714D5269}" type="datetimeFigureOut">
               <a:rPr lang="zh-TW" altLang="en-US" smtClean="0"/>
-              <a:t>2024/11/20</a:t>
+              <a:t>2025/1/8</a:t>
             </a:fld>
             <a:endParaRPr lang="zh-TW" altLang="en-US"/>
           </a:p>
@@ -4715,7 +4715,7 @@
           <a:p>
             <a:fld id="{0C0CC965-A63A-473D-BEFB-C8F9714D5269}" type="datetimeFigureOut">
               <a:rPr lang="zh-TW" altLang="en-US" smtClean="0"/>
-              <a:t>2024/11/20</a:t>
+              <a:t>2025/1/8</a:t>
             </a:fld>
             <a:endParaRPr lang="zh-TW" altLang="en-US"/>
           </a:p>
@@ -4967,7 +4967,7 @@
           <a:p>
             <a:fld id="{0C0CC965-A63A-473D-BEFB-C8F9714D5269}" type="datetimeFigureOut">
               <a:rPr lang="zh-TW" altLang="en-US" smtClean="0"/>
-              <a:t>2024/11/20</a:t>
+              <a:t>2025/1/8</a:t>
             </a:fld>
             <a:endParaRPr lang="zh-TW" altLang="en-US"/>
           </a:p>
@@ -5181,7 +5181,7 @@
             <a:fld id="{0C0CC965-A63A-473D-BEFB-C8F9714D5269}" type="datetimeFigureOut">
               <a:rPr lang="zh-TW" altLang="en-US" smtClean="0"/>
               <a:pPr/>
-              <a:t>2024/11/20</a:t>
+              <a:t>2025/1/8</a:t>
             </a:fld>
             <a:endParaRPr lang="zh-TW" altLang="en-US"/>
           </a:p>
@@ -5718,14 +5718,17 @@
           <a:p>
             <a:r>
               <a:rPr lang="en-US" altLang="zh-TW" dirty="0"/>
-              <a:t>HW3</a:t>
-            </a:r>
-            <a:endParaRPr lang="zh-TW" altLang="en-US" dirty="0"/>
+              <a:t>HW3-pwm</a:t>
+            </a:r>
+            <a:r>
+              <a:rPr lang="zh-TW" altLang="en-US" dirty="0"/>
+              <a:t>呼吸燈</a:t>
+            </a:r>
           </a:p>
         </p:txBody>
       </p:sp>
-      <mc:AlternateContent xmlns:mc="http://schemas.openxmlformats.org/markup-compatibility/2006">
-        <mc:Choice xmlns:p14="http://schemas.microsoft.com/office/powerpoint/2010/main" Requires="p14">
+      <mc:AlternateContent xmlns:mc="http://schemas.openxmlformats.org/markup-compatibility/2006" xmlns:p14="http://schemas.microsoft.com/office/powerpoint/2010/main">
+        <mc:Choice Requires="p14">
           <p:contentPart p14:bwMode="auto" r:id="rId2">
             <p14:nvContentPartPr>
               <p14:cNvPr id="11" name="筆跡 10">
@@ -5744,7 +5747,7 @@
             </p14:xfrm>
           </p:contentPart>
         </mc:Choice>
-        <mc:Fallback>
+        <mc:Fallback xmlns="">
           <p:pic>
             <p:nvPicPr>
               <p:cNvPr id="11" name="筆跡 10">
@@ -5834,8 +5837,8 @@
           </a:p>
         </p:txBody>
       </p:sp>
-      <mc:AlternateContent xmlns:mc="http://schemas.openxmlformats.org/markup-compatibility/2006">
-        <mc:Choice xmlns:p14="http://schemas.microsoft.com/office/powerpoint/2010/main" Requires="p14">
+      <mc:AlternateContent xmlns:mc="http://schemas.openxmlformats.org/markup-compatibility/2006" xmlns:p14="http://schemas.microsoft.com/office/powerpoint/2010/main">
+        <mc:Choice Requires="p14">
           <p:contentPart p14:bwMode="auto" r:id="rId2">
             <p14:nvContentPartPr>
               <p14:cNvPr id="25" name="筆跡 24">
@@ -5854,7 +5857,7 @@
             </p14:xfrm>
           </p:contentPart>
         </mc:Choice>
-        <mc:Fallback>
+        <mc:Fallback xmlns="">
           <p:pic>
             <p:nvPicPr>
               <p:cNvPr id="25" name="筆跡 24">
@@ -5885,8 +5888,8 @@
           </p:pic>
         </mc:Fallback>
       </mc:AlternateContent>
-      <mc:AlternateContent xmlns:mc="http://schemas.openxmlformats.org/markup-compatibility/2006">
-        <mc:Choice xmlns:p14="http://schemas.microsoft.com/office/powerpoint/2010/main" Requires="p14">
+      <mc:AlternateContent xmlns:mc="http://schemas.openxmlformats.org/markup-compatibility/2006" xmlns:p14="http://schemas.microsoft.com/office/powerpoint/2010/main">
+        <mc:Choice Requires="p14">
           <p:contentPart p14:bwMode="auto" r:id="rId4">
             <p14:nvContentPartPr>
               <p14:cNvPr id="31" name="筆跡 30">
@@ -5905,7 +5908,7 @@
             </p14:xfrm>
           </p:contentPart>
         </mc:Choice>
-        <mc:Fallback>
+        <mc:Fallback xmlns="">
           <p:pic>
             <p:nvPicPr>
               <p:cNvPr id="31" name="筆跡 30">
@@ -5936,8 +5939,8 @@
           </p:pic>
         </mc:Fallback>
       </mc:AlternateContent>
-      <mc:AlternateContent xmlns:mc="http://schemas.openxmlformats.org/markup-compatibility/2006">
-        <mc:Choice xmlns:p14="http://schemas.microsoft.com/office/powerpoint/2010/main" Requires="p14">
+      <mc:AlternateContent xmlns:mc="http://schemas.openxmlformats.org/markup-compatibility/2006" xmlns:p14="http://schemas.microsoft.com/office/powerpoint/2010/main">
+        <mc:Choice Requires="p14">
           <p:contentPart p14:bwMode="auto" r:id="rId6">
             <p14:nvContentPartPr>
               <p14:cNvPr id="33" name="筆跡 32">
@@ -5956,7 +5959,7 @@
             </p14:xfrm>
           </p:contentPart>
         </mc:Choice>
-        <mc:Fallback>
+        <mc:Fallback xmlns="">
           <p:pic>
             <p:nvPicPr>
               <p:cNvPr id="33" name="筆跡 32">
@@ -5987,8 +5990,8 @@
           </p:pic>
         </mc:Fallback>
       </mc:AlternateContent>
-      <mc:AlternateContent xmlns:mc="http://schemas.openxmlformats.org/markup-compatibility/2006">
-        <mc:Choice xmlns:p14="http://schemas.microsoft.com/office/powerpoint/2010/main" Requires="p14">
+      <mc:AlternateContent xmlns:mc="http://schemas.openxmlformats.org/markup-compatibility/2006" xmlns:p14="http://schemas.microsoft.com/office/powerpoint/2010/main">
+        <mc:Choice Requires="p14">
           <p:contentPart p14:bwMode="auto" r:id="rId8">
             <p14:nvContentPartPr>
               <p14:cNvPr id="34" name="筆跡 33">
@@ -6007,7 +6010,7 @@
             </p14:xfrm>
           </p:contentPart>
         </mc:Choice>
-        <mc:Fallback>
+        <mc:Fallback xmlns="">
           <p:pic>
             <p:nvPicPr>
               <p:cNvPr id="34" name="筆跡 33">
@@ -6038,8 +6041,8 @@
           </p:pic>
         </mc:Fallback>
       </mc:AlternateContent>
-      <mc:AlternateContent xmlns:mc="http://schemas.openxmlformats.org/markup-compatibility/2006">
-        <mc:Choice xmlns:p14="http://schemas.microsoft.com/office/powerpoint/2010/main" Requires="p14">
+      <mc:AlternateContent xmlns:mc="http://schemas.openxmlformats.org/markup-compatibility/2006" xmlns:p14="http://schemas.microsoft.com/office/powerpoint/2010/main">
+        <mc:Choice Requires="p14">
           <p:contentPart p14:bwMode="auto" r:id="rId10">
             <p14:nvContentPartPr>
               <p14:cNvPr id="35" name="筆跡 34">
@@ -6058,7 +6061,7 @@
             </p14:xfrm>
           </p:contentPart>
         </mc:Choice>
-        <mc:Fallback>
+        <mc:Fallback xmlns="">
           <p:pic>
             <p:nvPicPr>
               <p:cNvPr id="35" name="筆跡 34">
@@ -6089,8 +6092,8 @@
           </p:pic>
         </mc:Fallback>
       </mc:AlternateContent>
-      <mc:AlternateContent xmlns:mc="http://schemas.openxmlformats.org/markup-compatibility/2006">
-        <mc:Choice xmlns:p14="http://schemas.microsoft.com/office/powerpoint/2010/main" Requires="p14">
+      <mc:AlternateContent xmlns:mc="http://schemas.openxmlformats.org/markup-compatibility/2006" xmlns:p14="http://schemas.microsoft.com/office/powerpoint/2010/main">
+        <mc:Choice Requires="p14">
           <p:contentPart p14:bwMode="auto" r:id="rId12">
             <p14:nvContentPartPr>
               <p14:cNvPr id="38" name="筆跡 37">
@@ -6109,7 +6112,7 @@
             </p14:xfrm>
           </p:contentPart>
         </mc:Choice>
-        <mc:Fallback>
+        <mc:Fallback xmlns="">
           <p:pic>
             <p:nvPicPr>
               <p:cNvPr id="38" name="筆跡 37">
@@ -6140,8 +6143,8 @@
           </p:pic>
         </mc:Fallback>
       </mc:AlternateContent>
-      <mc:AlternateContent xmlns:mc="http://schemas.openxmlformats.org/markup-compatibility/2006">
-        <mc:Choice xmlns:p14="http://schemas.microsoft.com/office/powerpoint/2010/main" Requires="p14">
+      <mc:AlternateContent xmlns:mc="http://schemas.openxmlformats.org/markup-compatibility/2006" xmlns:p14="http://schemas.microsoft.com/office/powerpoint/2010/main">
+        <mc:Choice Requires="p14">
           <p:contentPart p14:bwMode="auto" r:id="rId14">
             <p14:nvContentPartPr>
               <p14:cNvPr id="40" name="筆跡 39">
@@ -6160,7 +6163,7 @@
             </p14:xfrm>
           </p:contentPart>
         </mc:Choice>
-        <mc:Fallback>
+        <mc:Fallback xmlns="">
           <p:pic>
             <p:nvPicPr>
               <p:cNvPr id="40" name="筆跡 39">
@@ -6191,8 +6194,8 @@
           </p:pic>
         </mc:Fallback>
       </mc:AlternateContent>
-      <mc:AlternateContent xmlns:mc="http://schemas.openxmlformats.org/markup-compatibility/2006">
-        <mc:Choice xmlns:p14="http://schemas.microsoft.com/office/powerpoint/2010/main" Requires="p14">
+      <mc:AlternateContent xmlns:mc="http://schemas.openxmlformats.org/markup-compatibility/2006" xmlns:p14="http://schemas.microsoft.com/office/powerpoint/2010/main">
+        <mc:Choice Requires="p14">
           <p:contentPart p14:bwMode="auto" r:id="rId16">
             <p14:nvContentPartPr>
               <p14:cNvPr id="2" name="筆跡 1">
@@ -6211,7 +6214,7 @@
             </p14:xfrm>
           </p:contentPart>
         </mc:Choice>
-        <mc:Fallback>
+        <mc:Fallback xmlns="">
           <p:pic>
             <p:nvPicPr>
               <p:cNvPr id="2" name="筆跡 1">
@@ -6242,8 +6245,8 @@
           </p:pic>
         </mc:Fallback>
       </mc:AlternateContent>
-      <mc:AlternateContent xmlns:mc="http://schemas.openxmlformats.org/markup-compatibility/2006">
-        <mc:Choice xmlns:p14="http://schemas.microsoft.com/office/powerpoint/2010/main" Requires="p14">
+      <mc:AlternateContent xmlns:mc="http://schemas.openxmlformats.org/markup-compatibility/2006" xmlns:p14="http://schemas.microsoft.com/office/powerpoint/2010/main">
+        <mc:Choice Requires="p14">
           <p:contentPart p14:bwMode="auto" r:id="rId18">
             <p14:nvContentPartPr>
               <p14:cNvPr id="5" name="筆跡 4">
@@ -6262,7 +6265,7 @@
             </p14:xfrm>
           </p:contentPart>
         </mc:Choice>
-        <mc:Fallback>
+        <mc:Fallback xmlns="">
           <p:pic>
             <p:nvPicPr>
               <p:cNvPr id="5" name="筆跡 4">
@@ -6293,8 +6296,8 @@
           </p:pic>
         </mc:Fallback>
       </mc:AlternateContent>
-      <mc:AlternateContent xmlns:mc="http://schemas.openxmlformats.org/markup-compatibility/2006">
-        <mc:Choice xmlns:p14="http://schemas.microsoft.com/office/powerpoint/2010/main" Requires="p14">
+      <mc:AlternateContent xmlns:mc="http://schemas.openxmlformats.org/markup-compatibility/2006" xmlns:p14="http://schemas.microsoft.com/office/powerpoint/2010/main">
+        <mc:Choice Requires="p14">
           <p:contentPart p14:bwMode="auto" r:id="rId20">
             <p14:nvContentPartPr>
               <p14:cNvPr id="7" name="筆跡 6">
@@ -6313,7 +6316,7 @@
             </p14:xfrm>
           </p:contentPart>
         </mc:Choice>
-        <mc:Fallback>
+        <mc:Fallback xmlns="">
           <p:pic>
             <p:nvPicPr>
               <p:cNvPr id="7" name="筆跡 6">
@@ -6344,8 +6347,8 @@
           </p:pic>
         </mc:Fallback>
       </mc:AlternateContent>
-      <mc:AlternateContent xmlns:mc="http://schemas.openxmlformats.org/markup-compatibility/2006">
-        <mc:Choice xmlns:p14="http://schemas.microsoft.com/office/powerpoint/2010/main" Requires="p14">
+      <mc:AlternateContent xmlns:mc="http://schemas.openxmlformats.org/markup-compatibility/2006" xmlns:p14="http://schemas.microsoft.com/office/powerpoint/2010/main">
+        <mc:Choice Requires="p14">
           <p:contentPart p14:bwMode="auto" r:id="rId22">
             <p14:nvContentPartPr>
               <p14:cNvPr id="8" name="筆跡 7">
@@ -6364,7 +6367,7 @@
             </p14:xfrm>
           </p:contentPart>
         </mc:Choice>
-        <mc:Fallback>
+        <mc:Fallback xmlns="">
           <p:pic>
             <p:nvPicPr>
               <p:cNvPr id="8" name="筆跡 7">
@@ -6395,8 +6398,8 @@
           </p:pic>
         </mc:Fallback>
       </mc:AlternateContent>
-      <mc:AlternateContent xmlns:mc="http://schemas.openxmlformats.org/markup-compatibility/2006">
-        <mc:Choice xmlns:p14="http://schemas.microsoft.com/office/powerpoint/2010/main" Requires="p14">
+      <mc:AlternateContent xmlns:mc="http://schemas.openxmlformats.org/markup-compatibility/2006" xmlns:p14="http://schemas.microsoft.com/office/powerpoint/2010/main">
+        <mc:Choice Requires="p14">
           <p:contentPart p14:bwMode="auto" r:id="rId24">
             <p14:nvContentPartPr>
               <p14:cNvPr id="11" name="筆跡 10">
@@ -6415,7 +6418,7 @@
             </p14:xfrm>
           </p:contentPart>
         </mc:Choice>
-        <mc:Fallback>
+        <mc:Fallback xmlns="">
           <p:pic>
             <p:nvPicPr>
               <p:cNvPr id="11" name="筆跡 10">
@@ -6446,8 +6449,8 @@
           </p:pic>
         </mc:Fallback>
       </mc:AlternateContent>
-      <mc:AlternateContent xmlns:mc="http://schemas.openxmlformats.org/markup-compatibility/2006">
-        <mc:Choice xmlns:p14="http://schemas.microsoft.com/office/powerpoint/2010/main" Requires="p14">
+      <mc:AlternateContent xmlns:mc="http://schemas.openxmlformats.org/markup-compatibility/2006" xmlns:p14="http://schemas.microsoft.com/office/powerpoint/2010/main">
+        <mc:Choice Requires="p14">
           <p:contentPart p14:bwMode="auto" r:id="rId26">
             <p14:nvContentPartPr>
               <p14:cNvPr id="13" name="筆跡 12">
@@ -6466,7 +6469,7 @@
             </p14:xfrm>
           </p:contentPart>
         </mc:Choice>
-        <mc:Fallback>
+        <mc:Fallback xmlns="">
           <p:pic>
             <p:nvPicPr>
               <p:cNvPr id="13" name="筆跡 12">
@@ -6497,8 +6500,8 @@
           </p:pic>
         </mc:Fallback>
       </mc:AlternateContent>
-      <mc:AlternateContent xmlns:mc="http://schemas.openxmlformats.org/markup-compatibility/2006">
-        <mc:Choice xmlns:p14="http://schemas.microsoft.com/office/powerpoint/2010/main" Requires="p14">
+      <mc:AlternateContent xmlns:mc="http://schemas.openxmlformats.org/markup-compatibility/2006" xmlns:p14="http://schemas.microsoft.com/office/powerpoint/2010/main">
+        <mc:Choice Requires="p14">
           <p:contentPart p14:bwMode="auto" r:id="rId28">
             <p14:nvContentPartPr>
               <p14:cNvPr id="56" name="筆跡 55">
@@ -6517,7 +6520,7 @@
             </p14:xfrm>
           </p:contentPart>
         </mc:Choice>
-        <mc:Fallback>
+        <mc:Fallback xmlns="">
           <p:pic>
             <p:nvPicPr>
               <p:cNvPr id="56" name="筆跡 55">
@@ -6548,8 +6551,8 @@
           </p:pic>
         </mc:Fallback>
       </mc:AlternateContent>
-      <mc:AlternateContent xmlns:mc="http://schemas.openxmlformats.org/markup-compatibility/2006">
-        <mc:Choice xmlns:p14="http://schemas.microsoft.com/office/powerpoint/2010/main" Requires="p14">
+      <mc:AlternateContent xmlns:mc="http://schemas.openxmlformats.org/markup-compatibility/2006" xmlns:p14="http://schemas.microsoft.com/office/powerpoint/2010/main">
+        <mc:Choice Requires="p14">
           <p:contentPart p14:bwMode="auto" r:id="rId30">
             <p14:nvContentPartPr>
               <p14:cNvPr id="57" name="筆跡 56">
@@ -6568,7 +6571,7 @@
             </p14:xfrm>
           </p:contentPart>
         </mc:Choice>
-        <mc:Fallback>
+        <mc:Fallback xmlns="">
           <p:pic>
             <p:nvPicPr>
               <p:cNvPr id="57" name="筆跡 56">
@@ -6599,8 +6602,8 @@
           </p:pic>
         </mc:Fallback>
       </mc:AlternateContent>
-      <mc:AlternateContent xmlns:mc="http://schemas.openxmlformats.org/markup-compatibility/2006">
-        <mc:Choice xmlns:p14="http://schemas.microsoft.com/office/powerpoint/2010/main" Requires="p14">
+      <mc:AlternateContent xmlns:mc="http://schemas.openxmlformats.org/markup-compatibility/2006" xmlns:p14="http://schemas.microsoft.com/office/powerpoint/2010/main">
+        <mc:Choice Requires="p14">
           <p:contentPart p14:bwMode="auto" r:id="rId32">
             <p14:nvContentPartPr>
               <p14:cNvPr id="61" name="筆跡 60">
@@ -6619,7 +6622,7 @@
             </p14:xfrm>
           </p:contentPart>
         </mc:Choice>
-        <mc:Fallback>
+        <mc:Fallback xmlns="">
           <p:pic>
             <p:nvPicPr>
               <p:cNvPr id="61" name="筆跡 60">
@@ -6650,8 +6653,8 @@
           </p:pic>
         </mc:Fallback>
       </mc:AlternateContent>
-      <mc:AlternateContent xmlns:mc="http://schemas.openxmlformats.org/markup-compatibility/2006">
-        <mc:Choice xmlns:p14="http://schemas.microsoft.com/office/powerpoint/2010/main" Requires="p14">
+      <mc:AlternateContent xmlns:mc="http://schemas.openxmlformats.org/markup-compatibility/2006" xmlns:p14="http://schemas.microsoft.com/office/powerpoint/2010/main">
+        <mc:Choice Requires="p14">
           <p:contentPart p14:bwMode="auto" r:id="rId34">
             <p14:nvContentPartPr>
               <p14:cNvPr id="62" name="筆跡 61">
@@ -6670,7 +6673,7 @@
             </p14:xfrm>
           </p:contentPart>
         </mc:Choice>
-        <mc:Fallback>
+        <mc:Fallback xmlns="">
           <p:pic>
             <p:nvPicPr>
               <p:cNvPr id="62" name="筆跡 61">
@@ -6701,8 +6704,8 @@
           </p:pic>
         </mc:Fallback>
       </mc:AlternateContent>
-      <mc:AlternateContent xmlns:mc="http://schemas.openxmlformats.org/markup-compatibility/2006">
-        <mc:Choice xmlns:p14="http://schemas.microsoft.com/office/powerpoint/2010/main" Requires="p14">
+      <mc:AlternateContent xmlns:mc="http://schemas.openxmlformats.org/markup-compatibility/2006" xmlns:p14="http://schemas.microsoft.com/office/powerpoint/2010/main">
+        <mc:Choice Requires="p14">
           <p:contentPart p14:bwMode="auto" r:id="rId36">
             <p14:nvContentPartPr>
               <p14:cNvPr id="64" name="筆跡 63">
@@ -6721,7 +6724,7 @@
             </p14:xfrm>
           </p:contentPart>
         </mc:Choice>
-        <mc:Fallback>
+        <mc:Fallback xmlns="">
           <p:pic>
             <p:nvPicPr>
               <p:cNvPr id="64" name="筆跡 63">
@@ -6752,8 +6755,8 @@
           </p:pic>
         </mc:Fallback>
       </mc:AlternateContent>
-      <mc:AlternateContent xmlns:mc="http://schemas.openxmlformats.org/markup-compatibility/2006">
-        <mc:Choice xmlns:p14="http://schemas.microsoft.com/office/powerpoint/2010/main" Requires="p14">
+      <mc:AlternateContent xmlns:mc="http://schemas.openxmlformats.org/markup-compatibility/2006" xmlns:p14="http://schemas.microsoft.com/office/powerpoint/2010/main">
+        <mc:Choice Requires="p14">
           <p:contentPart p14:bwMode="auto" r:id="rId38">
             <p14:nvContentPartPr>
               <p14:cNvPr id="65" name="筆跡 64">
@@ -6772,7 +6775,7 @@
             </p14:xfrm>
           </p:contentPart>
         </mc:Choice>
-        <mc:Fallback>
+        <mc:Fallback xmlns="">
           <p:pic>
             <p:nvPicPr>
               <p:cNvPr id="65" name="筆跡 64">
@@ -6803,8 +6806,8 @@
           </p:pic>
         </mc:Fallback>
       </mc:AlternateContent>
-      <mc:AlternateContent xmlns:mc="http://schemas.openxmlformats.org/markup-compatibility/2006">
-        <mc:Choice xmlns:p14="http://schemas.microsoft.com/office/powerpoint/2010/main" Requires="p14">
+      <mc:AlternateContent xmlns:mc="http://schemas.openxmlformats.org/markup-compatibility/2006" xmlns:p14="http://schemas.microsoft.com/office/powerpoint/2010/main">
+        <mc:Choice Requires="p14">
           <p:contentPart p14:bwMode="auto" r:id="rId40">
             <p14:nvContentPartPr>
               <p14:cNvPr id="67" name="筆跡 66">
@@ -6823,7 +6826,7 @@
             </p14:xfrm>
           </p:contentPart>
         </mc:Choice>
-        <mc:Fallback>
+        <mc:Fallback xmlns="">
           <p:pic>
             <p:nvPicPr>
               <p:cNvPr id="67" name="筆跡 66">
@@ -6854,8 +6857,8 @@
           </p:pic>
         </mc:Fallback>
       </mc:AlternateContent>
-      <mc:AlternateContent xmlns:mc="http://schemas.openxmlformats.org/markup-compatibility/2006">
-        <mc:Choice xmlns:p14="http://schemas.microsoft.com/office/powerpoint/2010/main" Requires="p14">
+      <mc:AlternateContent xmlns:mc="http://schemas.openxmlformats.org/markup-compatibility/2006" xmlns:p14="http://schemas.microsoft.com/office/powerpoint/2010/main">
+        <mc:Choice Requires="p14">
           <p:contentPart p14:bwMode="auto" r:id="rId42">
             <p14:nvContentPartPr>
               <p14:cNvPr id="68" name="筆跡 67">
@@ -6874,7 +6877,7 @@
             </p14:xfrm>
           </p:contentPart>
         </mc:Choice>
-        <mc:Fallback>
+        <mc:Fallback xmlns="">
           <p:pic>
             <p:nvPicPr>
               <p:cNvPr id="68" name="筆跡 67">
@@ -6905,8 +6908,8 @@
           </p:pic>
         </mc:Fallback>
       </mc:AlternateContent>
-      <mc:AlternateContent xmlns:mc="http://schemas.openxmlformats.org/markup-compatibility/2006">
-        <mc:Choice xmlns:p14="http://schemas.microsoft.com/office/powerpoint/2010/main" Requires="p14">
+      <mc:AlternateContent xmlns:mc="http://schemas.openxmlformats.org/markup-compatibility/2006" xmlns:p14="http://schemas.microsoft.com/office/powerpoint/2010/main">
+        <mc:Choice Requires="p14">
           <p:contentPart p14:bwMode="auto" r:id="rId44">
             <p14:nvContentPartPr>
               <p14:cNvPr id="70" name="筆跡 69">
@@ -6925,7 +6928,7 @@
             </p14:xfrm>
           </p:contentPart>
         </mc:Choice>
-        <mc:Fallback>
+        <mc:Fallback xmlns="">
           <p:pic>
             <p:nvPicPr>
               <p:cNvPr id="70" name="筆跡 69">
@@ -6956,8 +6959,8 @@
           </p:pic>
         </mc:Fallback>
       </mc:AlternateContent>
-      <mc:AlternateContent xmlns:mc="http://schemas.openxmlformats.org/markup-compatibility/2006">
-        <mc:Choice xmlns:p14="http://schemas.microsoft.com/office/powerpoint/2010/main" Requires="p14">
+      <mc:AlternateContent xmlns:mc="http://schemas.openxmlformats.org/markup-compatibility/2006" xmlns:p14="http://schemas.microsoft.com/office/powerpoint/2010/main">
+        <mc:Choice Requires="p14">
           <p:contentPart p14:bwMode="auto" r:id="rId46">
             <p14:nvContentPartPr>
               <p14:cNvPr id="26" name="筆跡 25">
@@ -6976,7 +6979,7 @@
             </p14:xfrm>
           </p:contentPart>
         </mc:Choice>
-        <mc:Fallback>
+        <mc:Fallback xmlns="">
           <p:pic>
             <p:nvPicPr>
               <p:cNvPr id="26" name="筆跡 25">
@@ -7007,8 +7010,8 @@
           </p:pic>
         </mc:Fallback>
       </mc:AlternateContent>
-      <mc:AlternateContent xmlns:mc="http://schemas.openxmlformats.org/markup-compatibility/2006">
-        <mc:Choice xmlns:p14="http://schemas.microsoft.com/office/powerpoint/2010/main" Requires="p14">
+      <mc:AlternateContent xmlns:mc="http://schemas.openxmlformats.org/markup-compatibility/2006" xmlns:p14="http://schemas.microsoft.com/office/powerpoint/2010/main">
+        <mc:Choice Requires="p14">
           <p:contentPart p14:bwMode="auto" r:id="rId48">
             <p14:nvContentPartPr>
               <p14:cNvPr id="27" name="筆跡 26">
@@ -7027,7 +7030,7 @@
             </p14:xfrm>
           </p:contentPart>
         </mc:Choice>
-        <mc:Fallback>
+        <mc:Fallback xmlns="">
           <p:pic>
             <p:nvPicPr>
               <p:cNvPr id="27" name="筆跡 26">
@@ -7058,8 +7061,8 @@
           </p:pic>
         </mc:Fallback>
       </mc:AlternateContent>
-      <mc:AlternateContent xmlns:mc="http://schemas.openxmlformats.org/markup-compatibility/2006">
-        <mc:Choice xmlns:p14="http://schemas.microsoft.com/office/powerpoint/2010/main" Requires="p14">
+      <mc:AlternateContent xmlns:mc="http://schemas.openxmlformats.org/markup-compatibility/2006" xmlns:p14="http://schemas.microsoft.com/office/powerpoint/2010/main">
+        <mc:Choice Requires="p14">
           <p:contentPart p14:bwMode="auto" r:id="rId50">
             <p14:nvContentPartPr>
               <p14:cNvPr id="28" name="筆跡 27">
@@ -7078,7 +7081,7 @@
             </p14:xfrm>
           </p:contentPart>
         </mc:Choice>
-        <mc:Fallback>
+        <mc:Fallback xmlns="">
           <p:pic>
             <p:nvPicPr>
               <p:cNvPr id="28" name="筆跡 27">
@@ -7109,8 +7112,8 @@
           </p:pic>
         </mc:Fallback>
       </mc:AlternateContent>
-      <mc:AlternateContent xmlns:mc="http://schemas.openxmlformats.org/markup-compatibility/2006">
-        <mc:Choice xmlns:p14="http://schemas.microsoft.com/office/powerpoint/2010/main" Requires="p14">
+      <mc:AlternateContent xmlns:mc="http://schemas.openxmlformats.org/markup-compatibility/2006" xmlns:p14="http://schemas.microsoft.com/office/powerpoint/2010/main">
+        <mc:Choice Requires="p14">
           <p:contentPart p14:bwMode="auto" r:id="rId52">
             <p14:nvContentPartPr>
               <p14:cNvPr id="30" name="筆跡 29">
@@ -7129,7 +7132,7 @@
             </p14:xfrm>
           </p:contentPart>
         </mc:Choice>
-        <mc:Fallback>
+        <mc:Fallback xmlns="">
           <p:pic>
             <p:nvPicPr>
               <p:cNvPr id="30" name="筆跡 29">
@@ -7160,8 +7163,8 @@
           </p:pic>
         </mc:Fallback>
       </mc:AlternateContent>
-      <mc:AlternateContent xmlns:mc="http://schemas.openxmlformats.org/markup-compatibility/2006">
-        <mc:Choice xmlns:p14="http://schemas.microsoft.com/office/powerpoint/2010/main" Requires="p14">
+      <mc:AlternateContent xmlns:mc="http://schemas.openxmlformats.org/markup-compatibility/2006" xmlns:p14="http://schemas.microsoft.com/office/powerpoint/2010/main">
+        <mc:Choice Requires="p14">
           <p:contentPart p14:bwMode="auto" r:id="rId54">
             <p14:nvContentPartPr>
               <p14:cNvPr id="16" name="筆跡 15">
@@ -7180,7 +7183,7 @@
             </p14:xfrm>
           </p:contentPart>
         </mc:Choice>
-        <mc:Fallback>
+        <mc:Fallback xmlns="">
           <p:pic>
             <p:nvPicPr>
               <p:cNvPr id="16" name="筆跡 15">
@@ -7211,8 +7214,8 @@
           </p:pic>
         </mc:Fallback>
       </mc:AlternateContent>
-      <mc:AlternateContent xmlns:mc="http://schemas.openxmlformats.org/markup-compatibility/2006">
-        <mc:Choice xmlns:p14="http://schemas.microsoft.com/office/powerpoint/2010/main" Requires="p14">
+      <mc:AlternateContent xmlns:mc="http://schemas.openxmlformats.org/markup-compatibility/2006" xmlns:p14="http://schemas.microsoft.com/office/powerpoint/2010/main">
+        <mc:Choice Requires="p14">
           <p:contentPart p14:bwMode="auto" r:id="rId56">
             <p14:nvContentPartPr>
               <p14:cNvPr id="17" name="筆跡 16">
@@ -7231,7 +7234,7 @@
             </p14:xfrm>
           </p:contentPart>
         </mc:Choice>
-        <mc:Fallback>
+        <mc:Fallback xmlns="">
           <p:pic>
             <p:nvPicPr>
               <p:cNvPr id="17" name="筆跡 16">
@@ -7262,8 +7265,8 @@
           </p:pic>
         </mc:Fallback>
       </mc:AlternateContent>
-      <mc:AlternateContent xmlns:mc="http://schemas.openxmlformats.org/markup-compatibility/2006">
-        <mc:Choice xmlns:p14="http://schemas.microsoft.com/office/powerpoint/2010/main" Requires="p14">
+      <mc:AlternateContent xmlns:mc="http://schemas.openxmlformats.org/markup-compatibility/2006" xmlns:p14="http://schemas.microsoft.com/office/powerpoint/2010/main">
+        <mc:Choice Requires="p14">
           <p:contentPart p14:bwMode="auto" r:id="rId58">
             <p14:nvContentPartPr>
               <p14:cNvPr id="18" name="筆跡 17">
@@ -7282,7 +7285,7 @@
             </p14:xfrm>
           </p:contentPart>
         </mc:Choice>
-        <mc:Fallback>
+        <mc:Fallback xmlns="">
           <p:pic>
             <p:nvPicPr>
               <p:cNvPr id="18" name="筆跡 17">
@@ -7313,8 +7316,8 @@
           </p:pic>
         </mc:Fallback>
       </mc:AlternateContent>
-      <mc:AlternateContent xmlns:mc="http://schemas.openxmlformats.org/markup-compatibility/2006">
-        <mc:Choice xmlns:p14="http://schemas.microsoft.com/office/powerpoint/2010/main" Requires="p14">
+      <mc:AlternateContent xmlns:mc="http://schemas.openxmlformats.org/markup-compatibility/2006" xmlns:p14="http://schemas.microsoft.com/office/powerpoint/2010/main">
+        <mc:Choice Requires="p14">
           <p:contentPart p14:bwMode="auto" r:id="rId60">
             <p14:nvContentPartPr>
               <p14:cNvPr id="20" name="筆跡 19">
@@ -7333,7 +7336,7 @@
             </p14:xfrm>
           </p:contentPart>
         </mc:Choice>
-        <mc:Fallback>
+        <mc:Fallback xmlns="">
           <p:pic>
             <p:nvPicPr>
               <p:cNvPr id="20" name="筆跡 19">
@@ -7364,8 +7367,8 @@
           </p:pic>
         </mc:Fallback>
       </mc:AlternateContent>
-      <mc:AlternateContent xmlns:mc="http://schemas.openxmlformats.org/markup-compatibility/2006">
-        <mc:Choice xmlns:p14="http://schemas.microsoft.com/office/powerpoint/2010/main" Requires="p14">
+      <mc:AlternateContent xmlns:mc="http://schemas.openxmlformats.org/markup-compatibility/2006" xmlns:p14="http://schemas.microsoft.com/office/powerpoint/2010/main">
+        <mc:Choice Requires="p14">
           <p:contentPart p14:bwMode="auto" r:id="rId62">
             <p14:nvContentPartPr>
               <p14:cNvPr id="21" name="筆跡 20">
@@ -7384,7 +7387,7 @@
             </p14:xfrm>
           </p:contentPart>
         </mc:Choice>
-        <mc:Fallback>
+        <mc:Fallback xmlns="">
           <p:pic>
             <p:nvPicPr>
               <p:cNvPr id="21" name="筆跡 20">
@@ -7415,8 +7418,8 @@
           </p:pic>
         </mc:Fallback>
       </mc:AlternateContent>
-      <mc:AlternateContent xmlns:mc="http://schemas.openxmlformats.org/markup-compatibility/2006">
-        <mc:Choice xmlns:p14="http://schemas.microsoft.com/office/powerpoint/2010/main" Requires="p14">
+      <mc:AlternateContent xmlns:mc="http://schemas.openxmlformats.org/markup-compatibility/2006" xmlns:p14="http://schemas.microsoft.com/office/powerpoint/2010/main">
+        <mc:Choice Requires="p14">
           <p:contentPart p14:bwMode="auto" r:id="rId64">
             <p14:nvContentPartPr>
               <p14:cNvPr id="22" name="筆跡 21">
@@ -7435,7 +7438,7 @@
             </p14:xfrm>
           </p:contentPart>
         </mc:Choice>
-        <mc:Fallback>
+        <mc:Fallback xmlns="">
           <p:pic>
             <p:nvPicPr>
               <p:cNvPr id="22" name="筆跡 21">
@@ -7466,8 +7469,8 @@
           </p:pic>
         </mc:Fallback>
       </mc:AlternateContent>
-      <mc:AlternateContent xmlns:mc="http://schemas.openxmlformats.org/markup-compatibility/2006">
-        <mc:Choice xmlns:p14="http://schemas.microsoft.com/office/powerpoint/2010/main" Requires="p14">
+      <mc:AlternateContent xmlns:mc="http://schemas.openxmlformats.org/markup-compatibility/2006" xmlns:p14="http://schemas.microsoft.com/office/powerpoint/2010/main">
+        <mc:Choice Requires="p14">
           <p:contentPart p14:bwMode="auto" r:id="rId66">
             <p14:nvContentPartPr>
               <p14:cNvPr id="23" name="筆跡 22">
@@ -7486,7 +7489,7 @@
             </p14:xfrm>
           </p:contentPart>
         </mc:Choice>
-        <mc:Fallback>
+        <mc:Fallback xmlns="">
           <p:pic>
             <p:nvPicPr>
               <p:cNvPr id="23" name="筆跡 22">
@@ -7517,8 +7520,8 @@
           </p:pic>
         </mc:Fallback>
       </mc:AlternateContent>
-      <mc:AlternateContent xmlns:mc="http://schemas.openxmlformats.org/markup-compatibility/2006">
-        <mc:Choice xmlns:p14="http://schemas.microsoft.com/office/powerpoint/2010/main" Requires="p14">
+      <mc:AlternateContent xmlns:mc="http://schemas.openxmlformats.org/markup-compatibility/2006" xmlns:p14="http://schemas.microsoft.com/office/powerpoint/2010/main">
+        <mc:Choice Requires="p14">
           <p:contentPart p14:bwMode="auto" r:id="rId68">
             <p14:nvContentPartPr>
               <p14:cNvPr id="72" name="筆跡 71">
@@ -7537,7 +7540,7 @@
             </p14:xfrm>
           </p:contentPart>
         </mc:Choice>
-        <mc:Fallback>
+        <mc:Fallback xmlns="">
           <p:pic>
             <p:nvPicPr>
               <p:cNvPr id="72" name="筆跡 71">
@@ -7568,8 +7571,8 @@
           </p:pic>
         </mc:Fallback>
       </mc:AlternateContent>
-      <mc:AlternateContent xmlns:mc="http://schemas.openxmlformats.org/markup-compatibility/2006">
-        <mc:Choice xmlns:p14="http://schemas.microsoft.com/office/powerpoint/2010/main" Requires="p14">
+      <mc:AlternateContent xmlns:mc="http://schemas.openxmlformats.org/markup-compatibility/2006" xmlns:p14="http://schemas.microsoft.com/office/powerpoint/2010/main">
+        <mc:Choice Requires="p14">
           <p:contentPart p14:bwMode="auto" r:id="rId70">
             <p14:nvContentPartPr>
               <p14:cNvPr id="73" name="筆跡 72">
@@ -7588,7 +7591,7 @@
             </p14:xfrm>
           </p:contentPart>
         </mc:Choice>
-        <mc:Fallback>
+        <mc:Fallback xmlns="">
           <p:pic>
             <p:nvPicPr>
               <p:cNvPr id="73" name="筆跡 72">
@@ -7619,8 +7622,8 @@
           </p:pic>
         </mc:Fallback>
       </mc:AlternateContent>
-      <mc:AlternateContent xmlns:mc="http://schemas.openxmlformats.org/markup-compatibility/2006">
-        <mc:Choice xmlns:p14="http://schemas.microsoft.com/office/powerpoint/2010/main" Requires="p14">
+      <mc:AlternateContent xmlns:mc="http://schemas.openxmlformats.org/markup-compatibility/2006" xmlns:p14="http://schemas.microsoft.com/office/powerpoint/2010/main">
+        <mc:Choice Requires="p14">
           <p:contentPart p14:bwMode="auto" r:id="rId72">
             <p14:nvContentPartPr>
               <p14:cNvPr id="75" name="筆跡 74">
@@ -7639,7 +7642,7 @@
             </p14:xfrm>
           </p:contentPart>
         </mc:Choice>
-        <mc:Fallback>
+        <mc:Fallback xmlns="">
           <p:pic>
             <p:nvPicPr>
               <p:cNvPr id="75" name="筆跡 74">
@@ -7670,8 +7673,8 @@
           </p:pic>
         </mc:Fallback>
       </mc:AlternateContent>
-      <mc:AlternateContent xmlns:mc="http://schemas.openxmlformats.org/markup-compatibility/2006">
-        <mc:Choice xmlns:p14="http://schemas.microsoft.com/office/powerpoint/2010/main" Requires="p14">
+      <mc:AlternateContent xmlns:mc="http://schemas.openxmlformats.org/markup-compatibility/2006" xmlns:p14="http://schemas.microsoft.com/office/powerpoint/2010/main">
+        <mc:Choice Requires="p14">
           <p:contentPart p14:bwMode="auto" r:id="rId74">
             <p14:nvContentPartPr>
               <p14:cNvPr id="76" name="筆跡 75">
@@ -7690,7 +7693,7 @@
             </p14:xfrm>
           </p:contentPart>
         </mc:Choice>
-        <mc:Fallback>
+        <mc:Fallback xmlns="">
           <p:pic>
             <p:nvPicPr>
               <p:cNvPr id="76" name="筆跡 75">
@@ -7741,8 +7744,8 @@
             <a:chExt cx="2419920" cy="3853080"/>
           </a:xfrm>
         </p:grpSpPr>
-        <mc:AlternateContent xmlns:mc="http://schemas.openxmlformats.org/markup-compatibility/2006">
-          <mc:Choice xmlns:p14="http://schemas.microsoft.com/office/powerpoint/2010/main" Requires="p14">
+        <mc:AlternateContent xmlns:mc="http://schemas.openxmlformats.org/markup-compatibility/2006" xmlns:p14="http://schemas.microsoft.com/office/powerpoint/2010/main">
+          <mc:Choice Requires="p14">
             <p:contentPart p14:bwMode="auto" r:id="rId76">
               <p14:nvContentPartPr>
                 <p14:cNvPr id="42" name="筆跡 41">
@@ -7761,7 +7764,7 @@
               </p14:xfrm>
             </p:contentPart>
           </mc:Choice>
-          <mc:Fallback>
+          <mc:Fallback xmlns="">
             <p:pic>
               <p:nvPicPr>
                 <p:cNvPr id="42" name="筆跡 41">
@@ -7792,8 +7795,8 @@
             </p:pic>
           </mc:Fallback>
         </mc:AlternateContent>
-        <mc:AlternateContent xmlns:mc="http://schemas.openxmlformats.org/markup-compatibility/2006">
-          <mc:Choice xmlns:p14="http://schemas.microsoft.com/office/powerpoint/2010/main" Requires="p14">
+        <mc:AlternateContent xmlns:mc="http://schemas.openxmlformats.org/markup-compatibility/2006" xmlns:p14="http://schemas.microsoft.com/office/powerpoint/2010/main">
+          <mc:Choice Requires="p14">
             <p:contentPart p14:bwMode="auto" r:id="rId78">
               <p14:nvContentPartPr>
                 <p14:cNvPr id="43" name="筆跡 42">
@@ -7812,7 +7815,7 @@
               </p14:xfrm>
             </p:contentPart>
           </mc:Choice>
-          <mc:Fallback>
+          <mc:Fallback xmlns="">
             <p:pic>
               <p:nvPicPr>
                 <p:cNvPr id="43" name="筆跡 42">
@@ -7843,8 +7846,8 @@
             </p:pic>
           </mc:Fallback>
         </mc:AlternateContent>
-        <mc:AlternateContent xmlns:mc="http://schemas.openxmlformats.org/markup-compatibility/2006">
-          <mc:Choice xmlns:p14="http://schemas.microsoft.com/office/powerpoint/2010/main" Requires="p14">
+        <mc:AlternateContent xmlns:mc="http://schemas.openxmlformats.org/markup-compatibility/2006" xmlns:p14="http://schemas.microsoft.com/office/powerpoint/2010/main">
+          <mc:Choice Requires="p14">
             <p:contentPart p14:bwMode="auto" r:id="rId80">
               <p14:nvContentPartPr>
                 <p14:cNvPr id="44" name="筆跡 43">
@@ -7863,7 +7866,7 @@
               </p14:xfrm>
             </p:contentPart>
           </mc:Choice>
-          <mc:Fallback>
+          <mc:Fallback xmlns="">
             <p:pic>
               <p:nvPicPr>
                 <p:cNvPr id="44" name="筆跡 43">
@@ -7894,8 +7897,8 @@
             </p:pic>
           </mc:Fallback>
         </mc:AlternateContent>
-        <mc:AlternateContent xmlns:mc="http://schemas.openxmlformats.org/markup-compatibility/2006">
-          <mc:Choice xmlns:p14="http://schemas.microsoft.com/office/powerpoint/2010/main" Requires="p14">
+        <mc:AlternateContent xmlns:mc="http://schemas.openxmlformats.org/markup-compatibility/2006" xmlns:p14="http://schemas.microsoft.com/office/powerpoint/2010/main">
+          <mc:Choice Requires="p14">
             <p:contentPart p14:bwMode="auto" r:id="rId82">
               <p14:nvContentPartPr>
                 <p14:cNvPr id="49" name="筆跡 48">
@@ -7914,7 +7917,7 @@
               </p14:xfrm>
             </p:contentPart>
           </mc:Choice>
-          <mc:Fallback>
+          <mc:Fallback xmlns="">
             <p:pic>
               <p:nvPicPr>
                 <p:cNvPr id="49" name="筆跡 48">
@@ -7945,8 +7948,8 @@
             </p:pic>
           </mc:Fallback>
         </mc:AlternateContent>
-        <mc:AlternateContent xmlns:mc="http://schemas.openxmlformats.org/markup-compatibility/2006">
-          <mc:Choice xmlns:p14="http://schemas.microsoft.com/office/powerpoint/2010/main" Requires="p14">
+        <mc:AlternateContent xmlns:mc="http://schemas.openxmlformats.org/markup-compatibility/2006" xmlns:p14="http://schemas.microsoft.com/office/powerpoint/2010/main">
+          <mc:Choice Requires="p14">
             <p:contentPart p14:bwMode="auto" r:id="rId84">
               <p14:nvContentPartPr>
                 <p14:cNvPr id="50" name="筆跡 49">
@@ -7965,7 +7968,7 @@
               </p14:xfrm>
             </p:contentPart>
           </mc:Choice>
-          <mc:Fallback>
+          <mc:Fallback xmlns="">
             <p:pic>
               <p:nvPicPr>
                 <p:cNvPr id="50" name="筆跡 49">
@@ -7996,8 +7999,8 @@
             </p:pic>
           </mc:Fallback>
         </mc:AlternateContent>
-        <mc:AlternateContent xmlns:mc="http://schemas.openxmlformats.org/markup-compatibility/2006">
-          <mc:Choice xmlns:p14="http://schemas.microsoft.com/office/powerpoint/2010/main" Requires="p14">
+        <mc:AlternateContent xmlns:mc="http://schemas.openxmlformats.org/markup-compatibility/2006" xmlns:p14="http://schemas.microsoft.com/office/powerpoint/2010/main">
+          <mc:Choice Requires="p14">
             <p:contentPart p14:bwMode="auto" r:id="rId86">
               <p14:nvContentPartPr>
                 <p14:cNvPr id="46" name="筆跡 45">
@@ -8016,7 +8019,7 @@
               </p14:xfrm>
             </p:contentPart>
           </mc:Choice>
-          <mc:Fallback>
+          <mc:Fallback xmlns="">
             <p:pic>
               <p:nvPicPr>
                 <p:cNvPr id="46" name="筆跡 45">
@@ -8047,8 +8050,8 @@
             </p:pic>
           </mc:Fallback>
         </mc:AlternateContent>
-        <mc:AlternateContent xmlns:mc="http://schemas.openxmlformats.org/markup-compatibility/2006">
-          <mc:Choice xmlns:p14="http://schemas.microsoft.com/office/powerpoint/2010/main" Requires="p14">
+        <mc:AlternateContent xmlns:mc="http://schemas.openxmlformats.org/markup-compatibility/2006" xmlns:p14="http://schemas.microsoft.com/office/powerpoint/2010/main">
+          <mc:Choice Requires="p14">
             <p:contentPart p14:bwMode="auto" r:id="rId88">
               <p14:nvContentPartPr>
                 <p14:cNvPr id="47" name="筆跡 46">
@@ -8067,7 +8070,7 @@
               </p14:xfrm>
             </p:contentPart>
           </mc:Choice>
-          <mc:Fallback>
+          <mc:Fallback xmlns="">
             <p:pic>
               <p:nvPicPr>
                 <p:cNvPr id="47" name="筆跡 46">
@@ -8098,8 +8101,8 @@
             </p:pic>
           </mc:Fallback>
         </mc:AlternateContent>
-        <mc:AlternateContent xmlns:mc="http://schemas.openxmlformats.org/markup-compatibility/2006">
-          <mc:Choice xmlns:p14="http://schemas.microsoft.com/office/powerpoint/2010/main" Requires="p14">
+        <mc:AlternateContent xmlns:mc="http://schemas.openxmlformats.org/markup-compatibility/2006" xmlns:p14="http://schemas.microsoft.com/office/powerpoint/2010/main">
+          <mc:Choice Requires="p14">
             <p:contentPart p14:bwMode="auto" r:id="rId90">
               <p14:nvContentPartPr>
                 <p14:cNvPr id="52" name="筆跡 51">
@@ -8118,7 +8121,7 @@
               </p14:xfrm>
             </p:contentPart>
           </mc:Choice>
-          <mc:Fallback>
+          <mc:Fallback xmlns="">
             <p:pic>
               <p:nvPicPr>
                 <p:cNvPr id="52" name="筆跡 51">
@@ -8149,8 +8152,8 @@
             </p:pic>
           </mc:Fallback>
         </mc:AlternateContent>
-        <mc:AlternateContent xmlns:mc="http://schemas.openxmlformats.org/markup-compatibility/2006">
-          <mc:Choice xmlns:p14="http://schemas.microsoft.com/office/powerpoint/2010/main" Requires="p14">
+        <mc:AlternateContent xmlns:mc="http://schemas.openxmlformats.org/markup-compatibility/2006" xmlns:p14="http://schemas.microsoft.com/office/powerpoint/2010/main">
+          <mc:Choice Requires="p14">
             <p:contentPart p14:bwMode="auto" r:id="rId92">
               <p14:nvContentPartPr>
                 <p14:cNvPr id="54" name="筆跡 53">
@@ -8169,7 +8172,7 @@
               </p14:xfrm>
             </p:contentPart>
           </mc:Choice>
-          <mc:Fallback>
+          <mc:Fallback xmlns="">
             <p:pic>
               <p:nvPicPr>
                 <p:cNvPr id="54" name="筆跡 53">
@@ -8200,8 +8203,8 @@
             </p:pic>
           </mc:Fallback>
         </mc:AlternateContent>
-        <mc:AlternateContent xmlns:mc="http://schemas.openxmlformats.org/markup-compatibility/2006">
-          <mc:Choice xmlns:p14="http://schemas.microsoft.com/office/powerpoint/2010/main" Requires="p14">
+        <mc:AlternateContent xmlns:mc="http://schemas.openxmlformats.org/markup-compatibility/2006" xmlns:p14="http://schemas.microsoft.com/office/powerpoint/2010/main">
+          <mc:Choice Requires="p14">
             <p:contentPart p14:bwMode="auto" r:id="rId94">
               <p14:nvContentPartPr>
                 <p14:cNvPr id="82" name="筆跡 81">
@@ -8220,7 +8223,7 @@
               </p14:xfrm>
             </p:contentPart>
           </mc:Choice>
-          <mc:Fallback>
+          <mc:Fallback xmlns="">
             <p:pic>
               <p:nvPicPr>
                 <p:cNvPr id="82" name="筆跡 81">
@@ -8934,9 +8937,12 @@
           <a:p>
             <a:r>
               <a:rPr lang="en-US" altLang="zh-TW" dirty="0"/>
-              <a:t>HW3</a:t>
-            </a:r>
-            <a:endParaRPr lang="zh-TW" altLang="en-US" dirty="0"/>
+              <a:t>HW3-pwm</a:t>
+            </a:r>
+            <a:r>
+              <a:rPr lang="zh-TW" altLang="en-US" dirty="0"/>
+              <a:t>呼吸燈</a:t>
+            </a:r>
           </a:p>
         </p:txBody>
       </p:sp>
@@ -9330,9 +9336,12 @@
           <a:p>
             <a:r>
               <a:rPr lang="en-US" altLang="zh-TW" dirty="0"/>
-              <a:t>HW3</a:t>
-            </a:r>
-            <a:endParaRPr lang="zh-TW" altLang="en-US" dirty="0"/>
+              <a:t>HW3-pwm</a:t>
+            </a:r>
+            <a:r>
+              <a:rPr lang="zh-TW" altLang="en-US" dirty="0"/>
+              <a:t>呼吸燈</a:t>
+            </a:r>
           </a:p>
         </p:txBody>
       </p:sp>
@@ -9620,9 +9629,12 @@
           <a:p>
             <a:r>
               <a:rPr lang="en-US" altLang="zh-TW" dirty="0"/>
-              <a:t>HW3</a:t>
-            </a:r>
-            <a:endParaRPr lang="zh-TW" altLang="en-US" dirty="0"/>
+              <a:t>HW3-pwm</a:t>
+            </a:r>
+            <a:r>
+              <a:rPr lang="zh-TW" altLang="en-US" dirty="0"/>
+              <a:t>呼吸燈</a:t>
+            </a:r>
           </a:p>
         </p:txBody>
       </p:sp>
@@ -9949,8 +9961,8 @@
           </a:ln>
         </p:spPr>
       </p:pic>
-      <mc:AlternateContent xmlns:mc="http://schemas.openxmlformats.org/markup-compatibility/2006">
-        <mc:Choice xmlns:p14="http://schemas.microsoft.com/office/powerpoint/2010/main" Requires="p14">
+      <mc:AlternateContent xmlns:mc="http://schemas.openxmlformats.org/markup-compatibility/2006" xmlns:p14="http://schemas.microsoft.com/office/powerpoint/2010/main">
+        <mc:Choice Requires="p14">
           <p:contentPart p14:bwMode="auto" r:id="rId4">
             <p14:nvContentPartPr>
               <p14:cNvPr id="9" name="筆跡 8">
@@ -9969,7 +9981,7 @@
             </p14:xfrm>
           </p:contentPart>
         </mc:Choice>
-        <mc:Fallback>
+        <mc:Fallback xmlns="">
           <p:pic>
             <p:nvPicPr>
               <p:cNvPr id="9" name="筆跡 8">
@@ -10000,8 +10012,8 @@
           </p:pic>
         </mc:Fallback>
       </mc:AlternateContent>
-      <mc:AlternateContent xmlns:mc="http://schemas.openxmlformats.org/markup-compatibility/2006">
-        <mc:Choice xmlns:p14="http://schemas.microsoft.com/office/powerpoint/2010/main" Requires="p14">
+      <mc:AlternateContent xmlns:mc="http://schemas.openxmlformats.org/markup-compatibility/2006" xmlns:p14="http://schemas.microsoft.com/office/powerpoint/2010/main">
+        <mc:Choice Requires="p14">
           <p:contentPart p14:bwMode="auto" r:id="rId6">
             <p14:nvContentPartPr>
               <p14:cNvPr id="17" name="筆跡 16">
@@ -10020,7 +10032,7 @@
             </p14:xfrm>
           </p:contentPart>
         </mc:Choice>
-        <mc:Fallback>
+        <mc:Fallback xmlns="">
           <p:pic>
             <p:nvPicPr>
               <p:cNvPr id="17" name="筆跡 16">
@@ -10051,8 +10063,8 @@
           </p:pic>
         </mc:Fallback>
       </mc:AlternateContent>
-      <mc:AlternateContent xmlns:mc="http://schemas.openxmlformats.org/markup-compatibility/2006">
-        <mc:Choice xmlns:p14="http://schemas.microsoft.com/office/powerpoint/2010/main" Requires="p14">
+      <mc:AlternateContent xmlns:mc="http://schemas.openxmlformats.org/markup-compatibility/2006" xmlns:p14="http://schemas.microsoft.com/office/powerpoint/2010/main">
+        <mc:Choice Requires="p14">
           <p:contentPart p14:bwMode="auto" r:id="rId8">
             <p14:nvContentPartPr>
               <p14:cNvPr id="18" name="筆跡 17">
@@ -10071,7 +10083,7 @@
             </p14:xfrm>
           </p:contentPart>
         </mc:Choice>
-        <mc:Fallback>
+        <mc:Fallback xmlns="">
           <p:pic>
             <p:nvPicPr>
               <p:cNvPr id="18" name="筆跡 17">
@@ -10102,8 +10114,8 @@
           </p:pic>
         </mc:Fallback>
       </mc:AlternateContent>
-      <mc:AlternateContent xmlns:mc="http://schemas.openxmlformats.org/markup-compatibility/2006">
-        <mc:Choice xmlns:p14="http://schemas.microsoft.com/office/powerpoint/2010/main" Requires="p14">
+      <mc:AlternateContent xmlns:mc="http://schemas.openxmlformats.org/markup-compatibility/2006" xmlns:p14="http://schemas.microsoft.com/office/powerpoint/2010/main">
+        <mc:Choice Requires="p14">
           <p:contentPart p14:bwMode="auto" r:id="rId10">
             <p14:nvContentPartPr>
               <p14:cNvPr id="19" name="筆跡 18">
@@ -10122,7 +10134,7 @@
             </p14:xfrm>
           </p:contentPart>
         </mc:Choice>
-        <mc:Fallback>
+        <mc:Fallback xmlns="">
           <p:pic>
             <p:nvPicPr>
               <p:cNvPr id="19" name="筆跡 18">
@@ -10153,8 +10165,8 @@
           </p:pic>
         </mc:Fallback>
       </mc:AlternateContent>
-      <mc:AlternateContent xmlns:mc="http://schemas.openxmlformats.org/markup-compatibility/2006">
-        <mc:Choice xmlns:p14="http://schemas.microsoft.com/office/powerpoint/2010/main" Requires="p14">
+      <mc:AlternateContent xmlns:mc="http://schemas.openxmlformats.org/markup-compatibility/2006" xmlns:p14="http://schemas.microsoft.com/office/powerpoint/2010/main">
+        <mc:Choice Requires="p14">
           <p:contentPart p14:bwMode="auto" r:id="rId12">
             <p14:nvContentPartPr>
               <p14:cNvPr id="23" name="筆跡 22">
@@ -10173,7 +10185,7 @@
             </p14:xfrm>
           </p:contentPart>
         </mc:Choice>
-        <mc:Fallback>
+        <mc:Fallback xmlns="">
           <p:pic>
             <p:nvPicPr>
               <p:cNvPr id="23" name="筆跡 22">
@@ -10224,8 +10236,8 @@
             <a:chExt cx="1995840" cy="2430360"/>
           </a:xfrm>
         </p:grpSpPr>
-        <mc:AlternateContent xmlns:mc="http://schemas.openxmlformats.org/markup-compatibility/2006">
-          <mc:Choice xmlns:p14="http://schemas.microsoft.com/office/powerpoint/2010/main" Requires="p14">
+        <mc:AlternateContent xmlns:mc="http://schemas.openxmlformats.org/markup-compatibility/2006" xmlns:p14="http://schemas.microsoft.com/office/powerpoint/2010/main">
+          <mc:Choice Requires="p14">
             <p:contentPart p14:bwMode="auto" r:id="rId14">
               <p14:nvContentPartPr>
                 <p14:cNvPr id="20" name="筆跡 19">
@@ -10244,7 +10256,7 @@
               </p14:xfrm>
             </p:contentPart>
           </mc:Choice>
-          <mc:Fallback>
+          <mc:Fallback xmlns="">
             <p:pic>
               <p:nvPicPr>
                 <p:cNvPr id="20" name="筆跡 19">
@@ -10275,8 +10287,8 @@
             </p:pic>
           </mc:Fallback>
         </mc:AlternateContent>
-        <mc:AlternateContent xmlns:mc="http://schemas.openxmlformats.org/markup-compatibility/2006">
-          <mc:Choice xmlns:p14="http://schemas.microsoft.com/office/powerpoint/2010/main" Requires="p14">
+        <mc:AlternateContent xmlns:mc="http://schemas.openxmlformats.org/markup-compatibility/2006" xmlns:p14="http://schemas.microsoft.com/office/powerpoint/2010/main">
+          <mc:Choice Requires="p14">
             <p:contentPart p14:bwMode="auto" r:id="rId16">
               <p14:nvContentPartPr>
                 <p14:cNvPr id="21" name="筆跡 20">
@@ -10295,7 +10307,7 @@
               </p14:xfrm>
             </p:contentPart>
           </mc:Choice>
-          <mc:Fallback>
+          <mc:Fallback xmlns="">
             <p:pic>
               <p:nvPicPr>
                 <p:cNvPr id="21" name="筆跡 20">
@@ -10326,8 +10338,8 @@
             </p:pic>
           </mc:Fallback>
         </mc:AlternateContent>
-        <mc:AlternateContent xmlns:mc="http://schemas.openxmlformats.org/markup-compatibility/2006">
-          <mc:Choice xmlns:p14="http://schemas.microsoft.com/office/powerpoint/2010/main" Requires="p14">
+        <mc:AlternateContent xmlns:mc="http://schemas.openxmlformats.org/markup-compatibility/2006" xmlns:p14="http://schemas.microsoft.com/office/powerpoint/2010/main">
+          <mc:Choice Requires="p14">
             <p:contentPart p14:bwMode="auto" r:id="rId18">
               <p14:nvContentPartPr>
                 <p14:cNvPr id="22" name="筆跡 21">
@@ -10346,7 +10358,7 @@
               </p14:xfrm>
             </p:contentPart>
           </mc:Choice>
-          <mc:Fallback>
+          <mc:Fallback xmlns="">
             <p:pic>
               <p:nvPicPr>
                 <p:cNvPr id="22" name="筆跡 21">
@@ -10377,8 +10389,8 @@
             </p:pic>
           </mc:Fallback>
         </mc:AlternateContent>
-        <mc:AlternateContent xmlns:mc="http://schemas.openxmlformats.org/markup-compatibility/2006">
-          <mc:Choice xmlns:p14="http://schemas.microsoft.com/office/powerpoint/2010/main" Requires="p14">
+        <mc:AlternateContent xmlns:mc="http://schemas.openxmlformats.org/markup-compatibility/2006" xmlns:p14="http://schemas.microsoft.com/office/powerpoint/2010/main">
+          <mc:Choice Requires="p14">
             <p:contentPart p14:bwMode="auto" r:id="rId20">
               <p14:nvContentPartPr>
                 <p14:cNvPr id="25" name="筆跡 24">
@@ -10397,7 +10409,7 @@
               </p14:xfrm>
             </p:contentPart>
           </mc:Choice>
-          <mc:Fallback>
+          <mc:Fallback xmlns="">
             <p:pic>
               <p:nvPicPr>
                 <p:cNvPr id="25" name="筆跡 24">
@@ -10429,8 +10441,8 @@
           </mc:Fallback>
         </mc:AlternateContent>
       </p:grpSp>
-      <mc:AlternateContent xmlns:mc="http://schemas.openxmlformats.org/markup-compatibility/2006">
-        <mc:Choice xmlns:p14="http://schemas.microsoft.com/office/powerpoint/2010/main" Requires="p14">
+      <mc:AlternateContent xmlns:mc="http://schemas.openxmlformats.org/markup-compatibility/2006" xmlns:p14="http://schemas.microsoft.com/office/powerpoint/2010/main">
+        <mc:Choice Requires="p14">
           <p:contentPart p14:bwMode="auto" r:id="rId22">
             <p14:nvContentPartPr>
               <p14:cNvPr id="27" name="筆跡 26">
@@ -10449,7 +10461,7 @@
             </p14:xfrm>
           </p:contentPart>
         </mc:Choice>
-        <mc:Fallback>
+        <mc:Fallback xmlns="">
           <p:pic>
             <p:nvPicPr>
               <p:cNvPr id="27" name="筆跡 26">
@@ -10515,8 +10527,8 @@
           </a:ln>
         </p:spPr>
       </p:pic>
-      <mc:AlternateContent xmlns:mc="http://schemas.openxmlformats.org/markup-compatibility/2006">
-        <mc:Choice xmlns:p14="http://schemas.microsoft.com/office/powerpoint/2010/main" Requires="p14">
+      <mc:AlternateContent xmlns:mc="http://schemas.openxmlformats.org/markup-compatibility/2006" xmlns:p14="http://schemas.microsoft.com/office/powerpoint/2010/main">
+        <mc:Choice Requires="p14">
           <p:contentPart p14:bwMode="auto" r:id="rId25">
             <p14:nvContentPartPr>
               <p14:cNvPr id="30" name="筆跡 29">
@@ -10535,7 +10547,7 @@
             </p14:xfrm>
           </p:contentPart>
         </mc:Choice>
-        <mc:Fallback>
+        <mc:Fallback xmlns="">
           <p:pic>
             <p:nvPicPr>
               <p:cNvPr id="30" name="筆跡 29">
@@ -10566,8 +10578,8 @@
           </p:pic>
         </mc:Fallback>
       </mc:AlternateContent>
-      <mc:AlternateContent xmlns:mc="http://schemas.openxmlformats.org/markup-compatibility/2006">
-        <mc:Choice xmlns:p14="http://schemas.microsoft.com/office/powerpoint/2010/main" Requires="p14">
+      <mc:AlternateContent xmlns:mc="http://schemas.openxmlformats.org/markup-compatibility/2006" xmlns:p14="http://schemas.microsoft.com/office/powerpoint/2010/main">
+        <mc:Choice Requires="p14">
           <p:contentPart p14:bwMode="auto" r:id="rId27">
             <p14:nvContentPartPr>
               <p14:cNvPr id="31" name="筆跡 30">
@@ -10586,7 +10598,7 @@
             </p14:xfrm>
           </p:contentPart>
         </mc:Choice>
-        <mc:Fallback>
+        <mc:Fallback xmlns="">
           <p:pic>
             <p:nvPicPr>
               <p:cNvPr id="31" name="筆跡 30">
@@ -10617,8 +10629,8 @@
           </p:pic>
         </mc:Fallback>
       </mc:AlternateContent>
-      <mc:AlternateContent xmlns:mc="http://schemas.openxmlformats.org/markup-compatibility/2006">
-        <mc:Choice xmlns:p14="http://schemas.microsoft.com/office/powerpoint/2010/main" Requires="p14">
+      <mc:AlternateContent xmlns:mc="http://schemas.openxmlformats.org/markup-compatibility/2006" xmlns:p14="http://schemas.microsoft.com/office/powerpoint/2010/main">
+        <mc:Choice Requires="p14">
           <p:contentPart p14:bwMode="auto" r:id="rId29">
             <p14:nvContentPartPr>
               <p14:cNvPr id="32" name="筆跡 31">
@@ -10637,7 +10649,7 @@
             </p14:xfrm>
           </p:contentPart>
         </mc:Choice>
-        <mc:Fallback>
+        <mc:Fallback xmlns="">
           <p:pic>
             <p:nvPicPr>
               <p:cNvPr id="32" name="筆跡 31">
@@ -10668,8 +10680,8 @@
           </p:pic>
         </mc:Fallback>
       </mc:AlternateContent>
-      <mc:AlternateContent xmlns:mc="http://schemas.openxmlformats.org/markup-compatibility/2006">
-        <mc:Choice xmlns:p14="http://schemas.microsoft.com/office/powerpoint/2010/main" Requires="p14">
+      <mc:AlternateContent xmlns:mc="http://schemas.openxmlformats.org/markup-compatibility/2006" xmlns:p14="http://schemas.microsoft.com/office/powerpoint/2010/main">
+        <mc:Choice Requires="p14">
           <p:contentPart p14:bwMode="auto" r:id="rId31">
             <p14:nvContentPartPr>
               <p14:cNvPr id="33" name="筆跡 32">
@@ -10688,7 +10700,7 @@
             </p14:xfrm>
           </p:contentPart>
         </mc:Choice>
-        <mc:Fallback>
+        <mc:Fallback xmlns="">
           <p:pic>
             <p:nvPicPr>
               <p:cNvPr id="33" name="筆跡 32">
@@ -10739,8 +10751,8 @@
             <a:chExt cx="489240" cy="1585440"/>
           </a:xfrm>
         </p:grpSpPr>
-        <mc:AlternateContent xmlns:mc="http://schemas.openxmlformats.org/markup-compatibility/2006">
-          <mc:Choice xmlns:p14="http://schemas.microsoft.com/office/powerpoint/2010/main" Requires="p14">
+        <mc:AlternateContent xmlns:mc="http://schemas.openxmlformats.org/markup-compatibility/2006" xmlns:p14="http://schemas.microsoft.com/office/powerpoint/2010/main">
+          <mc:Choice Requires="p14">
             <p:contentPart p14:bwMode="auto" r:id="rId33">
               <p14:nvContentPartPr>
                 <p14:cNvPr id="34" name="筆跡 33">
@@ -10759,7 +10771,7 @@
               </p14:xfrm>
             </p:contentPart>
           </mc:Choice>
-          <mc:Fallback>
+          <mc:Fallback xmlns="">
             <p:pic>
               <p:nvPicPr>
                 <p:cNvPr id="34" name="筆跡 33">
@@ -10790,8 +10802,8 @@
             </p:pic>
           </mc:Fallback>
         </mc:AlternateContent>
-        <mc:AlternateContent xmlns:mc="http://schemas.openxmlformats.org/markup-compatibility/2006">
-          <mc:Choice xmlns:p14="http://schemas.microsoft.com/office/powerpoint/2010/main" Requires="p14">
+        <mc:AlternateContent xmlns:mc="http://schemas.openxmlformats.org/markup-compatibility/2006" xmlns:p14="http://schemas.microsoft.com/office/powerpoint/2010/main">
+          <mc:Choice Requires="p14">
             <p:contentPart p14:bwMode="auto" r:id="rId35">
               <p14:nvContentPartPr>
                 <p14:cNvPr id="35" name="筆跡 34">
@@ -10810,7 +10822,7 @@
               </p14:xfrm>
             </p:contentPart>
           </mc:Choice>
-          <mc:Fallback>
+          <mc:Fallback xmlns="">
             <p:pic>
               <p:nvPicPr>
                 <p:cNvPr id="35" name="筆跡 34">
@@ -10841,8 +10853,8 @@
             </p:pic>
           </mc:Fallback>
         </mc:AlternateContent>
-        <mc:AlternateContent xmlns:mc="http://schemas.openxmlformats.org/markup-compatibility/2006">
-          <mc:Choice xmlns:p14="http://schemas.microsoft.com/office/powerpoint/2010/main" Requires="p14">
+        <mc:AlternateContent xmlns:mc="http://schemas.openxmlformats.org/markup-compatibility/2006" xmlns:p14="http://schemas.microsoft.com/office/powerpoint/2010/main">
+          <mc:Choice Requires="p14">
             <p:contentPart p14:bwMode="auto" r:id="rId37">
               <p14:nvContentPartPr>
                 <p14:cNvPr id="37" name="筆跡 36">
@@ -10861,7 +10873,7 @@
               </p14:xfrm>
             </p:contentPart>
           </mc:Choice>
-          <mc:Fallback>
+          <mc:Fallback xmlns="">
             <p:pic>
               <p:nvPicPr>
                 <p:cNvPr id="37" name="筆跡 36">
@@ -10892,8 +10904,8 @@
             </p:pic>
           </mc:Fallback>
         </mc:AlternateContent>
-        <mc:AlternateContent xmlns:mc="http://schemas.openxmlformats.org/markup-compatibility/2006">
-          <mc:Choice xmlns:p14="http://schemas.microsoft.com/office/powerpoint/2010/main" Requires="p14">
+        <mc:AlternateContent xmlns:mc="http://schemas.openxmlformats.org/markup-compatibility/2006" xmlns:p14="http://schemas.microsoft.com/office/powerpoint/2010/main">
+          <mc:Choice Requires="p14">
             <p:contentPart p14:bwMode="auto" r:id="rId39">
               <p14:nvContentPartPr>
                 <p14:cNvPr id="38" name="筆跡 37">
@@ -10912,7 +10924,7 @@
               </p14:xfrm>
             </p:contentPart>
           </mc:Choice>
-          <mc:Fallback>
+          <mc:Fallback xmlns="">
             <p:pic>
               <p:nvPicPr>
                 <p:cNvPr id="38" name="筆跡 37">
@@ -10943,8 +10955,8 @@
             </p:pic>
           </mc:Fallback>
         </mc:AlternateContent>
-        <mc:AlternateContent xmlns:mc="http://schemas.openxmlformats.org/markup-compatibility/2006">
-          <mc:Choice xmlns:p14="http://schemas.microsoft.com/office/powerpoint/2010/main" Requires="p14">
+        <mc:AlternateContent xmlns:mc="http://schemas.openxmlformats.org/markup-compatibility/2006" xmlns:p14="http://schemas.microsoft.com/office/powerpoint/2010/main">
+          <mc:Choice Requires="p14">
             <p:contentPart p14:bwMode="auto" r:id="rId41">
               <p14:nvContentPartPr>
                 <p14:cNvPr id="40" name="筆跡 39">
@@ -10963,7 +10975,7 @@
               </p14:xfrm>
             </p:contentPart>
           </mc:Choice>
-          <mc:Fallback>
+          <mc:Fallback xmlns="">
             <p:pic>
               <p:nvPicPr>
                 <p:cNvPr id="40" name="筆跡 39">
@@ -11048,9 +11060,12 @@
           <a:p>
             <a:r>
               <a:rPr lang="en-US" altLang="zh-TW" dirty="0"/>
-              <a:t>HW3</a:t>
-            </a:r>
-            <a:endParaRPr lang="zh-TW" altLang="en-US" dirty="0"/>
+              <a:t>HW3-pwm</a:t>
+            </a:r>
+            <a:r>
+              <a:rPr lang="zh-TW" altLang="en-US" dirty="0"/>
+              <a:t>呼吸燈</a:t>
+            </a:r>
           </a:p>
         </p:txBody>
       </p:sp>
@@ -11372,8 +11387,8 @@
           </a:p>
         </p:txBody>
       </p:sp>
-      <mc:AlternateContent xmlns:mc="http://schemas.openxmlformats.org/markup-compatibility/2006">
-        <mc:Choice xmlns:p14="http://schemas.microsoft.com/office/powerpoint/2010/main" Requires="p14">
+      <mc:AlternateContent xmlns:mc="http://schemas.openxmlformats.org/markup-compatibility/2006" xmlns:p14="http://schemas.microsoft.com/office/powerpoint/2010/main">
+        <mc:Choice Requires="p14">
           <p:contentPart p14:bwMode="auto" r:id="rId2">
             <p14:nvContentPartPr>
               <p14:cNvPr id="11" name="筆跡 10">
@@ -11392,7 +11407,7 @@
             </p14:xfrm>
           </p:contentPart>
         </mc:Choice>
-        <mc:Fallback>
+        <mc:Fallback xmlns="">
           <p:pic>
             <p:nvPicPr>
               <p:cNvPr id="11" name="筆跡 10">
@@ -11493,8 +11508,8 @@
           </a:ln>
         </p:spPr>
       </p:pic>
-      <mc:AlternateContent xmlns:mc="http://schemas.openxmlformats.org/markup-compatibility/2006">
-        <mc:Choice xmlns:p14="http://schemas.microsoft.com/office/powerpoint/2010/main" Requires="p14">
+      <mc:AlternateContent xmlns:mc="http://schemas.openxmlformats.org/markup-compatibility/2006" xmlns:p14="http://schemas.microsoft.com/office/powerpoint/2010/main">
+        <mc:Choice Requires="p14">
           <p:contentPart p14:bwMode="auto" r:id="rId6">
             <p14:nvContentPartPr>
               <p14:cNvPr id="18" name="筆跡 17">
@@ -11513,7 +11528,7 @@
             </p14:xfrm>
           </p:contentPart>
         </mc:Choice>
-        <mc:Fallback>
+        <mc:Fallback xmlns="">
           <p:pic>
             <p:nvPicPr>
               <p:cNvPr id="18" name="筆跡 17">
@@ -11544,8 +11559,8 @@
           </p:pic>
         </mc:Fallback>
       </mc:AlternateContent>
-      <mc:AlternateContent xmlns:mc="http://schemas.openxmlformats.org/markup-compatibility/2006">
-        <mc:Choice xmlns:p14="http://schemas.microsoft.com/office/powerpoint/2010/main" Requires="p14">
+      <mc:AlternateContent xmlns:mc="http://schemas.openxmlformats.org/markup-compatibility/2006" xmlns:p14="http://schemas.microsoft.com/office/powerpoint/2010/main">
+        <mc:Choice Requires="p14">
           <p:contentPart p14:bwMode="auto" r:id="rId8">
             <p14:nvContentPartPr>
               <p14:cNvPr id="21" name="筆跡 20">
@@ -11564,7 +11579,7 @@
             </p14:xfrm>
           </p:contentPart>
         </mc:Choice>
-        <mc:Fallback>
+        <mc:Fallback xmlns="">
           <p:pic>
             <p:nvPicPr>
               <p:cNvPr id="21" name="筆跡 20">
@@ -11595,8 +11610,8 @@
           </p:pic>
         </mc:Fallback>
       </mc:AlternateContent>
-      <mc:AlternateContent xmlns:mc="http://schemas.openxmlformats.org/markup-compatibility/2006">
-        <mc:Choice xmlns:p14="http://schemas.microsoft.com/office/powerpoint/2010/main" Requires="p14">
+      <mc:AlternateContent xmlns:mc="http://schemas.openxmlformats.org/markup-compatibility/2006" xmlns:p14="http://schemas.microsoft.com/office/powerpoint/2010/main">
+        <mc:Choice Requires="p14">
           <p:contentPart p14:bwMode="auto" r:id="rId10">
             <p14:nvContentPartPr>
               <p14:cNvPr id="22" name="筆跡 21">
@@ -11615,7 +11630,7 @@
             </p14:xfrm>
           </p:contentPart>
         </mc:Choice>
-        <mc:Fallback>
+        <mc:Fallback xmlns="">
           <p:pic>
             <p:nvPicPr>
               <p:cNvPr id="22" name="筆跡 21">
@@ -11646,8 +11661,8 @@
           </p:pic>
         </mc:Fallback>
       </mc:AlternateContent>
-      <mc:AlternateContent xmlns:mc="http://schemas.openxmlformats.org/markup-compatibility/2006">
-        <mc:Choice xmlns:p14="http://schemas.microsoft.com/office/powerpoint/2010/main" Requires="p14">
+      <mc:AlternateContent xmlns:mc="http://schemas.openxmlformats.org/markup-compatibility/2006" xmlns:p14="http://schemas.microsoft.com/office/powerpoint/2010/main">
+        <mc:Choice Requires="p14">
           <p:contentPart p14:bwMode="auto" r:id="rId12">
             <p14:nvContentPartPr>
               <p14:cNvPr id="25" name="筆跡 24">
@@ -11666,7 +11681,7 @@
             </p14:xfrm>
           </p:contentPart>
         </mc:Choice>
-        <mc:Fallback>
+        <mc:Fallback xmlns="">
           <p:pic>
             <p:nvPicPr>
               <p:cNvPr id="25" name="筆跡 24">
@@ -11697,8 +11712,8 @@
           </p:pic>
         </mc:Fallback>
       </mc:AlternateContent>
-      <mc:AlternateContent xmlns:mc="http://schemas.openxmlformats.org/markup-compatibility/2006">
-        <mc:Choice xmlns:p14="http://schemas.microsoft.com/office/powerpoint/2010/main" Requires="p14">
+      <mc:AlternateContent xmlns:mc="http://schemas.openxmlformats.org/markup-compatibility/2006" xmlns:p14="http://schemas.microsoft.com/office/powerpoint/2010/main">
+        <mc:Choice Requires="p14">
           <p:contentPart p14:bwMode="auto" r:id="rId14">
             <p14:nvContentPartPr>
               <p14:cNvPr id="26" name="筆跡 25">
@@ -11717,7 +11732,7 @@
             </p14:xfrm>
           </p:contentPart>
         </mc:Choice>
-        <mc:Fallback>
+        <mc:Fallback xmlns="">
           <p:pic>
             <p:nvPicPr>
               <p:cNvPr id="26" name="筆跡 25">
@@ -11801,14 +11816,17 @@
           <a:p>
             <a:r>
               <a:rPr lang="en-US" altLang="zh-TW" dirty="0"/>
-              <a:t>HW3</a:t>
-            </a:r>
-            <a:endParaRPr lang="zh-TW" altLang="en-US" dirty="0"/>
+              <a:t>HW3-pwm</a:t>
+            </a:r>
+            <a:r>
+              <a:rPr lang="zh-TW" altLang="en-US" dirty="0"/>
+              <a:t>呼吸燈</a:t>
+            </a:r>
           </a:p>
         </p:txBody>
       </p:sp>
-      <mc:AlternateContent xmlns:mc="http://schemas.openxmlformats.org/markup-compatibility/2006">
-        <mc:Choice xmlns:p14="http://schemas.microsoft.com/office/powerpoint/2010/main" Requires="p14">
+      <mc:AlternateContent xmlns:mc="http://schemas.openxmlformats.org/markup-compatibility/2006" xmlns:p14="http://schemas.microsoft.com/office/powerpoint/2010/main">
+        <mc:Choice Requires="p14">
           <p:contentPart p14:bwMode="auto" r:id="rId3">
             <p14:nvContentPartPr>
               <p14:cNvPr id="11" name="筆跡 10">
@@ -11827,7 +11845,7 @@
             </p14:xfrm>
           </p:contentPart>
         </mc:Choice>
-        <mc:Fallback>
+        <mc:Fallback xmlns="">
           <p:pic>
             <p:nvPicPr>
               <p:cNvPr id="11" name="筆跡 10">
